--- a/docs/deployment_guide/images/vmware-tanzu-application-platform-architecture-diagram.pptx
+++ b/docs/deployment_guide/images/vmware-tanzu-application-platform-architecture-diagram.pptx
@@ -5,7 +5,7 @@
     <p:sldMasterId id="2147483660" r:id="rId1"/>
   </p:sldMasterIdLst>
   <p:sldIdLst>
-    <p:sldId id="256" r:id="rId2"/>
+    <p:sldId id="257" r:id="rId2"/>
   </p:sldIdLst>
   <p:sldSz cx="15544800" cy="10058400"/>
   <p:notesSz cx="6858000" cy="9144000"/>
@@ -243,7 +243,7 @@
           <a:p>
             <a:fld id="{42CEB043-CB07-4D88-96C7-E080C34C29C0}" type="datetimeFigureOut">
               <a:rPr lang="en-US" smtClean="0"/>
-              <a:t>7/18/2022</a:t>
+              <a:t>7/20/2022</a:t>
             </a:fld>
             <a:endParaRPr lang="en-US"/>
           </a:p>
@@ -413,7 +413,7 @@
           <a:p>
             <a:fld id="{42CEB043-CB07-4D88-96C7-E080C34C29C0}" type="datetimeFigureOut">
               <a:rPr lang="en-US" smtClean="0"/>
-              <a:t>7/18/2022</a:t>
+              <a:t>7/20/2022</a:t>
             </a:fld>
             <a:endParaRPr lang="en-US"/>
           </a:p>
@@ -593,7 +593,7 @@
           <a:p>
             <a:fld id="{42CEB043-CB07-4D88-96C7-E080C34C29C0}" type="datetimeFigureOut">
               <a:rPr lang="en-US" smtClean="0"/>
-              <a:t>7/18/2022</a:t>
+              <a:t>7/20/2022</a:t>
             </a:fld>
             <a:endParaRPr lang="en-US"/>
           </a:p>
@@ -763,7 +763,7 @@
           <a:p>
             <a:fld id="{42CEB043-CB07-4D88-96C7-E080C34C29C0}" type="datetimeFigureOut">
               <a:rPr lang="en-US" smtClean="0"/>
-              <a:t>7/18/2022</a:t>
+              <a:t>7/20/2022</a:t>
             </a:fld>
             <a:endParaRPr lang="en-US"/>
           </a:p>
@@ -1007,7 +1007,7 @@
           <a:p>
             <a:fld id="{42CEB043-CB07-4D88-96C7-E080C34C29C0}" type="datetimeFigureOut">
               <a:rPr lang="en-US" smtClean="0"/>
-              <a:t>7/18/2022</a:t>
+              <a:t>7/20/2022</a:t>
             </a:fld>
             <a:endParaRPr lang="en-US"/>
           </a:p>
@@ -1239,7 +1239,7 @@
           <a:p>
             <a:fld id="{42CEB043-CB07-4D88-96C7-E080C34C29C0}" type="datetimeFigureOut">
               <a:rPr lang="en-US" smtClean="0"/>
-              <a:t>7/18/2022</a:t>
+              <a:t>7/20/2022</a:t>
             </a:fld>
             <a:endParaRPr lang="en-US"/>
           </a:p>
@@ -1606,7 +1606,7 @@
           <a:p>
             <a:fld id="{42CEB043-CB07-4D88-96C7-E080C34C29C0}" type="datetimeFigureOut">
               <a:rPr lang="en-US" smtClean="0"/>
-              <a:t>7/18/2022</a:t>
+              <a:t>7/20/2022</a:t>
             </a:fld>
             <a:endParaRPr lang="en-US"/>
           </a:p>
@@ -1724,7 +1724,7 @@
           <a:p>
             <a:fld id="{42CEB043-CB07-4D88-96C7-E080C34C29C0}" type="datetimeFigureOut">
               <a:rPr lang="en-US" smtClean="0"/>
-              <a:t>7/18/2022</a:t>
+              <a:t>7/20/2022</a:t>
             </a:fld>
             <a:endParaRPr lang="en-US"/>
           </a:p>
@@ -1819,7 +1819,7 @@
           <a:p>
             <a:fld id="{42CEB043-CB07-4D88-96C7-E080C34C29C0}" type="datetimeFigureOut">
               <a:rPr lang="en-US" smtClean="0"/>
-              <a:t>7/18/2022</a:t>
+              <a:t>7/20/2022</a:t>
             </a:fld>
             <a:endParaRPr lang="en-US"/>
           </a:p>
@@ -2096,7 +2096,7 @@
           <a:p>
             <a:fld id="{42CEB043-CB07-4D88-96C7-E080C34C29C0}" type="datetimeFigureOut">
               <a:rPr lang="en-US" smtClean="0"/>
-              <a:t>7/18/2022</a:t>
+              <a:t>7/20/2022</a:t>
             </a:fld>
             <a:endParaRPr lang="en-US"/>
           </a:p>
@@ -2353,7 +2353,7 @@
           <a:p>
             <a:fld id="{42CEB043-CB07-4D88-96C7-E080C34C29C0}" type="datetimeFigureOut">
               <a:rPr lang="en-US" smtClean="0"/>
-              <a:t>7/18/2022</a:t>
+              <a:t>7/20/2022</a:t>
             </a:fld>
             <a:endParaRPr lang="en-US"/>
           </a:p>
@@ -2566,7 +2566,7 @@
           <a:p>
             <a:fld id="{42CEB043-CB07-4D88-96C7-E080C34C29C0}" type="datetimeFigureOut">
               <a:rPr lang="en-US" smtClean="0"/>
-              <a:t>7/18/2022</a:t>
+              <a:t>7/20/2022</a:t>
             </a:fld>
             <a:endParaRPr lang="en-US"/>
           </a:p>
@@ -2986,7 +2986,7 @@
         <p:spPr>
           <a:xfrm>
             <a:off x="1010093" y="1467293"/>
-            <a:ext cx="12903451" cy="6879265"/>
+            <a:ext cx="13088260" cy="6879265"/>
           </a:xfrm>
           <a:prstGeom prst="rect">
             <a:avLst/>
@@ -7670,37 +7670,24 @@
           </a:extLst>
         </p:spPr>
       </p:pic>
-      <p:pic>
-        <p:nvPicPr>
-          <p:cNvPr id="229" name="Graphic 17">
+      <p:sp>
+        <p:nvSpPr>
+          <p:cNvPr id="250" name="TextBox 25">
             <a:extLst>
               <a:ext uri="{FF2B5EF4-FFF2-40B4-BE49-F238E27FC236}">
-                <a16:creationId xmlns:a16="http://schemas.microsoft.com/office/drawing/2014/main" id="{6812D307-5D3F-4585-B29A-02D0098F4166}"/>
+                <a16:creationId xmlns:a16="http://schemas.microsoft.com/office/drawing/2014/main" id="{424118CD-EF4A-4204-9FCC-D65A680609EC}"/>
               </a:ext>
             </a:extLst>
           </p:cNvPr>
-          <p:cNvPicPr>
-            <a:picLocks noChangeAspect="1" noChangeArrowheads="1"/>
-          </p:cNvPicPr>
+          <p:cNvSpPr txBox="1">
+            <a:spLocks noChangeArrowheads="1"/>
+          </p:cNvSpPr>
           <p:nvPr/>
-        </p:nvPicPr>
-        <p:blipFill>
-          <a:blip r:embed="rId24">
-            <a:extLst>
-              <a:ext uri="{28A0092B-C50C-407E-A947-70E740481C1C}">
-                <a14:useLocalDpi xmlns:a14="http://schemas.microsoft.com/office/drawing/2010/main" val="0"/>
-              </a:ext>
-            </a:extLst>
-          </a:blip>
-          <a:srcRect/>
-          <a:stretch>
-            <a:fillRect/>
-          </a:stretch>
-        </p:blipFill>
+        </p:nvSpPr>
         <p:spPr bwMode="auto">
           <a:xfrm>
-            <a:off x="12594666" y="5776192"/>
-            <a:ext cx="762000" cy="762000"/>
+            <a:off x="7398524" y="6591418"/>
+            <a:ext cx="1126461" cy="261610"/>
           </a:xfrm>
           <a:prstGeom prst="rect">
             <a:avLst/>
@@ -7729,13 +7716,127 @@
             </a:ext>
           </a:extLst>
         </p:spPr>
-      </p:pic>
-      <p:sp>
-        <p:nvSpPr>
-          <p:cNvPr id="230" name="TextBox 11">
+        <p:txBody>
+          <a:bodyPr wrap="square">
+            <a:spAutoFit/>
+          </a:bodyPr>
+          <a:lstStyle>
+            <a:lvl1pPr>
+              <a:defRPr>
+                <a:solidFill>
+                  <a:schemeClr val="tx1"/>
+                </a:solidFill>
+                <a:latin typeface="Calibri" panose="020F0502020204030204" pitchFamily="34" charset="0"/>
+              </a:defRPr>
+            </a:lvl1pPr>
+            <a:lvl2pPr marL="742950" indent="-285750">
+              <a:defRPr>
+                <a:solidFill>
+                  <a:schemeClr val="tx1"/>
+                </a:solidFill>
+                <a:latin typeface="Calibri" panose="020F0502020204030204" pitchFamily="34" charset="0"/>
+              </a:defRPr>
+            </a:lvl2pPr>
+            <a:lvl3pPr marL="1143000" indent="-228600">
+              <a:defRPr>
+                <a:solidFill>
+                  <a:schemeClr val="tx1"/>
+                </a:solidFill>
+                <a:latin typeface="Calibri" panose="020F0502020204030204" pitchFamily="34" charset="0"/>
+              </a:defRPr>
+            </a:lvl3pPr>
+            <a:lvl4pPr marL="1600200" indent="-228600">
+              <a:defRPr>
+                <a:solidFill>
+                  <a:schemeClr val="tx1"/>
+                </a:solidFill>
+                <a:latin typeface="Calibri" panose="020F0502020204030204" pitchFamily="34" charset="0"/>
+              </a:defRPr>
+            </a:lvl4pPr>
+            <a:lvl5pPr marL="2057400" indent="-228600">
+              <a:defRPr>
+                <a:solidFill>
+                  <a:schemeClr val="tx1"/>
+                </a:solidFill>
+                <a:latin typeface="Calibri" panose="020F0502020204030204" pitchFamily="34" charset="0"/>
+              </a:defRPr>
+            </a:lvl5pPr>
+            <a:lvl6pPr marL="2514600" indent="-228600" eaLnBrk="0" fontAlgn="base" hangingPunct="0">
+              <a:spcBef>
+                <a:spcPct val="0"/>
+              </a:spcBef>
+              <a:spcAft>
+                <a:spcPct val="0"/>
+              </a:spcAft>
+              <a:defRPr>
+                <a:solidFill>
+                  <a:schemeClr val="tx1"/>
+                </a:solidFill>
+                <a:latin typeface="Calibri" panose="020F0502020204030204" pitchFamily="34" charset="0"/>
+              </a:defRPr>
+            </a:lvl6pPr>
+            <a:lvl7pPr marL="2971800" indent="-228600" eaLnBrk="0" fontAlgn="base" hangingPunct="0">
+              <a:spcBef>
+                <a:spcPct val="0"/>
+              </a:spcBef>
+              <a:spcAft>
+                <a:spcPct val="0"/>
+              </a:spcAft>
+              <a:defRPr>
+                <a:solidFill>
+                  <a:schemeClr val="tx1"/>
+                </a:solidFill>
+                <a:latin typeface="Calibri" panose="020F0502020204030204" pitchFamily="34" charset="0"/>
+              </a:defRPr>
+            </a:lvl7pPr>
+            <a:lvl8pPr marL="3429000" indent="-228600" eaLnBrk="0" fontAlgn="base" hangingPunct="0">
+              <a:spcBef>
+                <a:spcPct val="0"/>
+              </a:spcBef>
+              <a:spcAft>
+                <a:spcPct val="0"/>
+              </a:spcAft>
+              <a:defRPr>
+                <a:solidFill>
+                  <a:schemeClr val="tx1"/>
+                </a:solidFill>
+                <a:latin typeface="Calibri" panose="020F0502020204030204" pitchFamily="34" charset="0"/>
+              </a:defRPr>
+            </a:lvl8pPr>
+            <a:lvl9pPr marL="3886200" indent="-228600" eaLnBrk="0" fontAlgn="base" hangingPunct="0">
+              <a:spcBef>
+                <a:spcPct val="0"/>
+              </a:spcBef>
+              <a:spcAft>
+                <a:spcPct val="0"/>
+              </a:spcAft>
+              <a:defRPr>
+                <a:solidFill>
+                  <a:schemeClr val="tx1"/>
+                </a:solidFill>
+                <a:latin typeface="Calibri" panose="020F0502020204030204" pitchFamily="34" charset="0"/>
+              </a:defRPr>
+            </a:lvl9pPr>
+          </a:lstStyle>
+          <a:p>
+            <a:pPr algn="ctr" eaLnBrk="1" hangingPunct="1"/>
+            <a:r>
+              <a:rPr lang="en-US" altLang="en-US" sz="1100" dirty="0">
+                <a:latin typeface="Arial" panose="020B0604020202020204" pitchFamily="34" charset="0"/>
+                <a:ea typeface="Amazon Ember" panose="020B0603020204020204" pitchFamily="34" charset="0"/>
+                <a:cs typeface="Arial" panose="020B0604020202020204" pitchFamily="34" charset="0"/>
+              </a:rPr>
+              <a:t>Contour Envoy</a:t>
+            </a:r>
+          </a:p>
+        </p:txBody>
+      </p:sp>
+      <p:sp>
+        <p:nvSpPr>
+          <p:cNvPr id="251" name="TextBox 25">
             <a:extLst>
               <a:ext uri="{FF2B5EF4-FFF2-40B4-BE49-F238E27FC236}">
-                <a16:creationId xmlns:a16="http://schemas.microsoft.com/office/drawing/2014/main" id="{FCA3FB4A-5E15-4FE8-83C4-741176C26F73}"/>
+                <a16:creationId xmlns:a16="http://schemas.microsoft.com/office/drawing/2014/main" id="{BE1C7E39-BB59-4C99-A571-FACFEE026EBA}"/>
               </a:ext>
             </a:extLst>
           </p:cNvPr>
@@ -7746,8 +7847,8 @@
         </p:nvSpPr>
         <p:spPr bwMode="auto">
           <a:xfrm>
-            <a:off x="12076701" y="6541550"/>
-            <a:ext cx="1797931" cy="276999"/>
+            <a:off x="10000314" y="6604754"/>
+            <a:ext cx="1126461" cy="261610"/>
           </a:xfrm>
           <a:prstGeom prst="rect">
             <a:avLst/>
@@ -7777,7 +7878,7 @@
           </a:extLst>
         </p:spPr>
         <p:txBody>
-          <a:bodyPr wrap="square" lIns="91440" rIns="91440">
+          <a:bodyPr wrap="square">
             <a:spAutoFit/>
           </a:bodyPr>
           <a:lstStyle>
@@ -7881,47 +7982,34 @@
           <a:p>
             <a:pPr algn="ctr" eaLnBrk="1" hangingPunct="1"/>
             <a:r>
-              <a:rPr lang="en-US" altLang="en-US" sz="1200" dirty="0">
+              <a:rPr lang="en-US" altLang="en-US" sz="1100" dirty="0">
                 <a:latin typeface="Arial" panose="020B0604020202020204" pitchFamily="34" charset="0"/>
                 <a:ea typeface="Amazon Ember" panose="020B0603020204020204" pitchFamily="34" charset="0"/>
                 <a:cs typeface="Arial" panose="020B0604020202020204" pitchFamily="34" charset="0"/>
               </a:rPr>
-              <a:t>AWS Secrets Manager</a:t>
-            </a:r>
-          </a:p>
-        </p:txBody>
-      </p:sp>
-      <p:pic>
-        <p:nvPicPr>
-          <p:cNvPr id="232" name="Graphic 20">
+              <a:t>Contour Envoy</a:t>
+            </a:r>
+          </a:p>
+        </p:txBody>
+      </p:sp>
+      <p:sp>
+        <p:nvSpPr>
+          <p:cNvPr id="230" name="TextBox 11">
             <a:extLst>
               <a:ext uri="{FF2B5EF4-FFF2-40B4-BE49-F238E27FC236}">
-                <a16:creationId xmlns:a16="http://schemas.microsoft.com/office/drawing/2014/main" id="{88B88C56-D30B-4673-86C8-DBB0D3E0350F}"/>
+                <a16:creationId xmlns:a16="http://schemas.microsoft.com/office/drawing/2014/main" id="{FCA3FB4A-5E15-4FE8-83C4-741176C26F73}"/>
               </a:ext>
             </a:extLst>
           </p:cNvPr>
-          <p:cNvPicPr>
-            <a:picLocks noChangeAspect="1" noChangeArrowheads="1"/>
-          </p:cNvPicPr>
+          <p:cNvSpPr txBox="1">
+            <a:spLocks noChangeArrowheads="1"/>
+          </p:cNvSpPr>
           <p:nvPr/>
-        </p:nvPicPr>
-        <p:blipFill>
-          <a:blip r:embed="rId25">
-            <a:extLst>
-              <a:ext uri="{28A0092B-C50C-407E-A947-70E740481C1C}">
-                <a14:useLocalDpi xmlns:a14="http://schemas.microsoft.com/office/drawing/2010/main" val="0"/>
-              </a:ext>
-            </a:extLst>
-          </a:blip>
-          <a:srcRect/>
-          <a:stretch>
-            <a:fillRect/>
-          </a:stretch>
-        </p:blipFill>
+        </p:nvSpPr>
         <p:spPr bwMode="auto">
           <a:xfrm>
-            <a:off x="12594666" y="4496551"/>
-            <a:ext cx="762000" cy="762000"/>
+            <a:off x="12172951" y="6541550"/>
+            <a:ext cx="1797931" cy="276999"/>
           </a:xfrm>
           <a:prstGeom prst="rect">
             <a:avLst/>
@@ -7950,25 +8038,152 @@
             </a:ext>
           </a:extLst>
         </p:spPr>
-      </p:pic>
-      <p:sp>
-        <p:nvSpPr>
-          <p:cNvPr id="233" name="TextBox 22">
+        <p:txBody>
+          <a:bodyPr wrap="square" lIns="91440" rIns="91440">
+            <a:spAutoFit/>
+          </a:bodyPr>
+          <a:lstStyle>
+            <a:lvl1pPr>
+              <a:defRPr>
+                <a:solidFill>
+                  <a:schemeClr val="tx1"/>
+                </a:solidFill>
+                <a:latin typeface="Calibri" panose="020F0502020204030204" pitchFamily="34" charset="0"/>
+              </a:defRPr>
+            </a:lvl1pPr>
+            <a:lvl2pPr marL="742950" indent="-285750">
+              <a:defRPr>
+                <a:solidFill>
+                  <a:schemeClr val="tx1"/>
+                </a:solidFill>
+                <a:latin typeface="Calibri" panose="020F0502020204030204" pitchFamily="34" charset="0"/>
+              </a:defRPr>
+            </a:lvl2pPr>
+            <a:lvl3pPr marL="1143000" indent="-228600">
+              <a:defRPr>
+                <a:solidFill>
+                  <a:schemeClr val="tx1"/>
+                </a:solidFill>
+                <a:latin typeface="Calibri" panose="020F0502020204030204" pitchFamily="34" charset="0"/>
+              </a:defRPr>
+            </a:lvl3pPr>
+            <a:lvl4pPr marL="1600200" indent="-228600">
+              <a:defRPr>
+                <a:solidFill>
+                  <a:schemeClr val="tx1"/>
+                </a:solidFill>
+                <a:latin typeface="Calibri" panose="020F0502020204030204" pitchFamily="34" charset="0"/>
+              </a:defRPr>
+            </a:lvl4pPr>
+            <a:lvl5pPr marL="2057400" indent="-228600">
+              <a:defRPr>
+                <a:solidFill>
+                  <a:schemeClr val="tx1"/>
+                </a:solidFill>
+                <a:latin typeface="Calibri" panose="020F0502020204030204" pitchFamily="34" charset="0"/>
+              </a:defRPr>
+            </a:lvl5pPr>
+            <a:lvl6pPr marL="2514600" indent="-228600" eaLnBrk="0" fontAlgn="base" hangingPunct="0">
+              <a:spcBef>
+                <a:spcPct val="0"/>
+              </a:spcBef>
+              <a:spcAft>
+                <a:spcPct val="0"/>
+              </a:spcAft>
+              <a:defRPr>
+                <a:solidFill>
+                  <a:schemeClr val="tx1"/>
+                </a:solidFill>
+                <a:latin typeface="Calibri" panose="020F0502020204030204" pitchFamily="34" charset="0"/>
+              </a:defRPr>
+            </a:lvl6pPr>
+            <a:lvl7pPr marL="2971800" indent="-228600" eaLnBrk="0" fontAlgn="base" hangingPunct="0">
+              <a:spcBef>
+                <a:spcPct val="0"/>
+              </a:spcBef>
+              <a:spcAft>
+                <a:spcPct val="0"/>
+              </a:spcAft>
+              <a:defRPr>
+                <a:solidFill>
+                  <a:schemeClr val="tx1"/>
+                </a:solidFill>
+                <a:latin typeface="Calibri" panose="020F0502020204030204" pitchFamily="34" charset="0"/>
+              </a:defRPr>
+            </a:lvl7pPr>
+            <a:lvl8pPr marL="3429000" indent="-228600" eaLnBrk="0" fontAlgn="base" hangingPunct="0">
+              <a:spcBef>
+                <a:spcPct val="0"/>
+              </a:spcBef>
+              <a:spcAft>
+                <a:spcPct val="0"/>
+              </a:spcAft>
+              <a:defRPr>
+                <a:solidFill>
+                  <a:schemeClr val="tx1"/>
+                </a:solidFill>
+                <a:latin typeface="Calibri" panose="020F0502020204030204" pitchFamily="34" charset="0"/>
+              </a:defRPr>
+            </a:lvl8pPr>
+            <a:lvl9pPr marL="3886200" indent="-228600" eaLnBrk="0" fontAlgn="base" hangingPunct="0">
+              <a:spcBef>
+                <a:spcPct val="0"/>
+              </a:spcBef>
+              <a:spcAft>
+                <a:spcPct val="0"/>
+              </a:spcAft>
+              <a:defRPr>
+                <a:solidFill>
+                  <a:schemeClr val="tx1"/>
+                </a:solidFill>
+                <a:latin typeface="Calibri" panose="020F0502020204030204" pitchFamily="34" charset="0"/>
+              </a:defRPr>
+            </a:lvl9pPr>
+          </a:lstStyle>
+          <a:p>
+            <a:pPr algn="ctr" eaLnBrk="1" hangingPunct="1"/>
+            <a:r>
+              <a:rPr lang="en-US" altLang="en-US" sz="1200" dirty="0">
+                <a:latin typeface="Arial" panose="020B0604020202020204" pitchFamily="34" charset="0"/>
+                <a:ea typeface="Amazon Ember" panose="020B0603020204020204" pitchFamily="34" charset="0"/>
+                <a:cs typeface="Arial" panose="020B0604020202020204" pitchFamily="34" charset="0"/>
+              </a:rPr>
+              <a:t>AWS ECR</a:t>
+            </a:r>
+          </a:p>
+        </p:txBody>
+      </p:sp>
+      <p:pic>
+        <p:nvPicPr>
+          <p:cNvPr id="232" name="Graphic 20">
             <a:extLst>
               <a:ext uri="{FF2B5EF4-FFF2-40B4-BE49-F238E27FC236}">
-                <a16:creationId xmlns:a16="http://schemas.microsoft.com/office/drawing/2014/main" id="{FFAD8FAB-EA89-40A4-A67E-1E3DCA684A4A}"/>
+                <a16:creationId xmlns:a16="http://schemas.microsoft.com/office/drawing/2014/main" id="{88B88C56-D30B-4673-86C8-DBB0D3E0350F}"/>
               </a:ext>
             </a:extLst>
           </p:cNvPr>
-          <p:cNvSpPr txBox="1">
-            <a:spLocks noChangeArrowheads="1"/>
-          </p:cNvSpPr>
+          <p:cNvPicPr>
+            <a:picLocks noChangeAspect="1" noChangeArrowheads="1"/>
+          </p:cNvPicPr>
           <p:nvPr/>
-        </p:nvSpPr>
+        </p:nvPicPr>
+        <p:blipFill>
+          <a:blip r:embed="rId24">
+            <a:extLst>
+              <a:ext uri="{28A0092B-C50C-407E-A947-70E740481C1C}">
+                <a14:useLocalDpi xmlns:a14="http://schemas.microsoft.com/office/drawing/2010/main" val="0"/>
+              </a:ext>
+            </a:extLst>
+          </a:blip>
+          <a:srcRect/>
+          <a:stretch>
+            <a:fillRect/>
+          </a:stretch>
+        </p:blipFill>
         <p:spPr bwMode="auto">
           <a:xfrm>
-            <a:off x="12158853" y="5261909"/>
-            <a:ext cx="1633626" cy="276999"/>
+            <a:off x="12690916" y="5779008"/>
+            <a:ext cx="762000" cy="762000"/>
           </a:xfrm>
           <a:prstGeom prst="rect">
             <a:avLst/>
@@ -7997,152 +8212,25 @@
             </a:ext>
           </a:extLst>
         </p:spPr>
-        <p:txBody>
-          <a:bodyPr wrap="square">
-            <a:spAutoFit/>
-          </a:bodyPr>
-          <a:lstStyle>
-            <a:lvl1pPr>
-              <a:defRPr>
-                <a:solidFill>
-                  <a:schemeClr val="tx1"/>
-                </a:solidFill>
-                <a:latin typeface="Calibri" panose="020F0502020204030204" pitchFamily="34" charset="0"/>
-              </a:defRPr>
-            </a:lvl1pPr>
-            <a:lvl2pPr marL="742950" indent="-285750">
-              <a:defRPr>
-                <a:solidFill>
-                  <a:schemeClr val="tx1"/>
-                </a:solidFill>
-                <a:latin typeface="Calibri" panose="020F0502020204030204" pitchFamily="34" charset="0"/>
-              </a:defRPr>
-            </a:lvl2pPr>
-            <a:lvl3pPr marL="1143000" indent="-228600">
-              <a:defRPr>
-                <a:solidFill>
-                  <a:schemeClr val="tx1"/>
-                </a:solidFill>
-                <a:latin typeface="Calibri" panose="020F0502020204030204" pitchFamily="34" charset="0"/>
-              </a:defRPr>
-            </a:lvl3pPr>
-            <a:lvl4pPr marL="1600200" indent="-228600">
-              <a:defRPr>
-                <a:solidFill>
-                  <a:schemeClr val="tx1"/>
-                </a:solidFill>
-                <a:latin typeface="Calibri" panose="020F0502020204030204" pitchFamily="34" charset="0"/>
-              </a:defRPr>
-            </a:lvl4pPr>
-            <a:lvl5pPr marL="2057400" indent="-228600">
-              <a:defRPr>
-                <a:solidFill>
-                  <a:schemeClr val="tx1"/>
-                </a:solidFill>
-                <a:latin typeface="Calibri" panose="020F0502020204030204" pitchFamily="34" charset="0"/>
-              </a:defRPr>
-            </a:lvl5pPr>
-            <a:lvl6pPr marL="2514600" indent="-228600" eaLnBrk="0" fontAlgn="base" hangingPunct="0">
-              <a:spcBef>
-                <a:spcPct val="0"/>
-              </a:spcBef>
-              <a:spcAft>
-                <a:spcPct val="0"/>
-              </a:spcAft>
-              <a:defRPr>
-                <a:solidFill>
-                  <a:schemeClr val="tx1"/>
-                </a:solidFill>
-                <a:latin typeface="Calibri" panose="020F0502020204030204" pitchFamily="34" charset="0"/>
-              </a:defRPr>
-            </a:lvl6pPr>
-            <a:lvl7pPr marL="2971800" indent="-228600" eaLnBrk="0" fontAlgn="base" hangingPunct="0">
-              <a:spcBef>
-                <a:spcPct val="0"/>
-              </a:spcBef>
-              <a:spcAft>
-                <a:spcPct val="0"/>
-              </a:spcAft>
-              <a:defRPr>
-                <a:solidFill>
-                  <a:schemeClr val="tx1"/>
-                </a:solidFill>
-                <a:latin typeface="Calibri" panose="020F0502020204030204" pitchFamily="34" charset="0"/>
-              </a:defRPr>
-            </a:lvl7pPr>
-            <a:lvl8pPr marL="3429000" indent="-228600" eaLnBrk="0" fontAlgn="base" hangingPunct="0">
-              <a:spcBef>
-                <a:spcPct val="0"/>
-              </a:spcBef>
-              <a:spcAft>
-                <a:spcPct val="0"/>
-              </a:spcAft>
-              <a:defRPr>
-                <a:solidFill>
-                  <a:schemeClr val="tx1"/>
-                </a:solidFill>
-                <a:latin typeface="Calibri" panose="020F0502020204030204" pitchFamily="34" charset="0"/>
-              </a:defRPr>
-            </a:lvl8pPr>
-            <a:lvl9pPr marL="3886200" indent="-228600" eaLnBrk="0" fontAlgn="base" hangingPunct="0">
-              <a:spcBef>
-                <a:spcPct val="0"/>
-              </a:spcBef>
-              <a:spcAft>
-                <a:spcPct val="0"/>
-              </a:spcAft>
-              <a:defRPr>
-                <a:solidFill>
-                  <a:schemeClr val="tx1"/>
-                </a:solidFill>
-                <a:latin typeface="Calibri" panose="020F0502020204030204" pitchFamily="34" charset="0"/>
-              </a:defRPr>
-            </a:lvl9pPr>
-          </a:lstStyle>
-          <a:p>
-            <a:pPr algn="ctr" eaLnBrk="1" hangingPunct="1"/>
-            <a:r>
-              <a:rPr lang="en-US" altLang="en-US" sz="1200" dirty="0">
-                <a:latin typeface="Arial" panose="020B0604020202020204" pitchFamily="34" charset="0"/>
-                <a:ea typeface="Amazon Ember" panose="020B0603020204020204" pitchFamily="34" charset="0"/>
-                <a:cs typeface="Arial" panose="020B0604020202020204" pitchFamily="34" charset="0"/>
-              </a:rPr>
-              <a:t>Amazon ECR</a:t>
-            </a:r>
-          </a:p>
-        </p:txBody>
-      </p:sp>
-      <p:pic>
-        <p:nvPicPr>
-          <p:cNvPr id="234" name="Graphic 23">
+      </p:pic>
+      <p:sp>
+        <p:nvSpPr>
+          <p:cNvPr id="233" name="TextBox 22">
             <a:extLst>
               <a:ext uri="{FF2B5EF4-FFF2-40B4-BE49-F238E27FC236}">
-                <a16:creationId xmlns:a16="http://schemas.microsoft.com/office/drawing/2014/main" id="{DC5A5B50-3AB5-4768-B7AA-B23CE2150963}"/>
+                <a16:creationId xmlns:a16="http://schemas.microsoft.com/office/drawing/2014/main" id="{FFAD8FAB-EA89-40A4-A67E-1E3DCA684A4A}"/>
               </a:ext>
             </a:extLst>
           </p:cNvPr>
-          <p:cNvPicPr>
-            <a:picLocks noChangeAspect="1" noChangeArrowheads="1"/>
-          </p:cNvPicPr>
+          <p:cNvSpPr txBox="1">
+            <a:spLocks noChangeArrowheads="1"/>
+          </p:cNvSpPr>
           <p:nvPr/>
-        </p:nvPicPr>
-        <p:blipFill>
-          <a:blip r:embed="rId26">
-            <a:extLst>
-              <a:ext uri="{28A0092B-C50C-407E-A947-70E740481C1C}">
-                <a14:useLocalDpi xmlns:a14="http://schemas.microsoft.com/office/drawing/2010/main" val="0"/>
-              </a:ext>
-            </a:extLst>
-          </a:blip>
-          <a:srcRect/>
-          <a:stretch>
-            <a:fillRect/>
-          </a:stretch>
-        </p:blipFill>
+        </p:nvSpPr>
         <p:spPr bwMode="auto">
           <a:xfrm>
-            <a:off x="12594666" y="3216910"/>
-            <a:ext cx="762000" cy="762000"/>
+            <a:off x="12101103" y="5261909"/>
+            <a:ext cx="1963194" cy="276999"/>
           </a:xfrm>
           <a:prstGeom prst="rect">
             <a:avLst/>
@@ -8171,25 +8259,152 @@
             </a:ext>
           </a:extLst>
         </p:spPr>
-      </p:pic>
-      <p:sp>
-        <p:nvSpPr>
-          <p:cNvPr id="235" name="TextBox 9">
+        <p:txBody>
+          <a:bodyPr wrap="square">
+            <a:spAutoFit/>
+          </a:bodyPr>
+          <a:lstStyle>
+            <a:lvl1pPr>
+              <a:defRPr>
+                <a:solidFill>
+                  <a:schemeClr val="tx1"/>
+                </a:solidFill>
+                <a:latin typeface="Calibri" panose="020F0502020204030204" pitchFamily="34" charset="0"/>
+              </a:defRPr>
+            </a:lvl1pPr>
+            <a:lvl2pPr marL="742950" indent="-285750">
+              <a:defRPr>
+                <a:solidFill>
+                  <a:schemeClr val="tx1"/>
+                </a:solidFill>
+                <a:latin typeface="Calibri" panose="020F0502020204030204" pitchFamily="34" charset="0"/>
+              </a:defRPr>
+            </a:lvl2pPr>
+            <a:lvl3pPr marL="1143000" indent="-228600">
+              <a:defRPr>
+                <a:solidFill>
+                  <a:schemeClr val="tx1"/>
+                </a:solidFill>
+                <a:latin typeface="Calibri" panose="020F0502020204030204" pitchFamily="34" charset="0"/>
+              </a:defRPr>
+            </a:lvl3pPr>
+            <a:lvl4pPr marL="1600200" indent="-228600">
+              <a:defRPr>
+                <a:solidFill>
+                  <a:schemeClr val="tx1"/>
+                </a:solidFill>
+                <a:latin typeface="Calibri" panose="020F0502020204030204" pitchFamily="34" charset="0"/>
+              </a:defRPr>
+            </a:lvl4pPr>
+            <a:lvl5pPr marL="2057400" indent="-228600">
+              <a:defRPr>
+                <a:solidFill>
+                  <a:schemeClr val="tx1"/>
+                </a:solidFill>
+                <a:latin typeface="Calibri" panose="020F0502020204030204" pitchFamily="34" charset="0"/>
+              </a:defRPr>
+            </a:lvl5pPr>
+            <a:lvl6pPr marL="2514600" indent="-228600" eaLnBrk="0" fontAlgn="base" hangingPunct="0">
+              <a:spcBef>
+                <a:spcPct val="0"/>
+              </a:spcBef>
+              <a:spcAft>
+                <a:spcPct val="0"/>
+              </a:spcAft>
+              <a:defRPr>
+                <a:solidFill>
+                  <a:schemeClr val="tx1"/>
+                </a:solidFill>
+                <a:latin typeface="Calibri" panose="020F0502020204030204" pitchFamily="34" charset="0"/>
+              </a:defRPr>
+            </a:lvl6pPr>
+            <a:lvl7pPr marL="2971800" indent="-228600" eaLnBrk="0" fontAlgn="base" hangingPunct="0">
+              <a:spcBef>
+                <a:spcPct val="0"/>
+              </a:spcBef>
+              <a:spcAft>
+                <a:spcPct val="0"/>
+              </a:spcAft>
+              <a:defRPr>
+                <a:solidFill>
+                  <a:schemeClr val="tx1"/>
+                </a:solidFill>
+                <a:latin typeface="Calibri" panose="020F0502020204030204" pitchFamily="34" charset="0"/>
+              </a:defRPr>
+            </a:lvl7pPr>
+            <a:lvl8pPr marL="3429000" indent="-228600" eaLnBrk="0" fontAlgn="base" hangingPunct="0">
+              <a:spcBef>
+                <a:spcPct val="0"/>
+              </a:spcBef>
+              <a:spcAft>
+                <a:spcPct val="0"/>
+              </a:spcAft>
+              <a:defRPr>
+                <a:solidFill>
+                  <a:schemeClr val="tx1"/>
+                </a:solidFill>
+                <a:latin typeface="Calibri" panose="020F0502020204030204" pitchFamily="34" charset="0"/>
+              </a:defRPr>
+            </a:lvl8pPr>
+            <a:lvl9pPr marL="3886200" indent="-228600" eaLnBrk="0" fontAlgn="base" hangingPunct="0">
+              <a:spcBef>
+                <a:spcPct val="0"/>
+              </a:spcBef>
+              <a:spcAft>
+                <a:spcPct val="0"/>
+              </a:spcAft>
+              <a:defRPr>
+                <a:solidFill>
+                  <a:schemeClr val="tx1"/>
+                </a:solidFill>
+                <a:latin typeface="Calibri" panose="020F0502020204030204" pitchFamily="34" charset="0"/>
+              </a:defRPr>
+            </a:lvl9pPr>
+          </a:lstStyle>
+          <a:p>
+            <a:pPr algn="ctr" eaLnBrk="1" hangingPunct="1"/>
+            <a:r>
+              <a:rPr lang="en-US" altLang="en-US" sz="1200" dirty="0">
+                <a:latin typeface="Arial" panose="020B0604020202020204" pitchFamily="34" charset="0"/>
+                <a:ea typeface="Amazon Ember" panose="020B0603020204020204" pitchFamily="34" charset="0"/>
+                <a:cs typeface="Arial" panose="020B0604020202020204" pitchFamily="34" charset="0"/>
+              </a:rPr>
+              <a:t>Amazon Secrets Manager</a:t>
+            </a:r>
+          </a:p>
+        </p:txBody>
+      </p:sp>
+      <p:pic>
+        <p:nvPicPr>
+          <p:cNvPr id="234" name="Graphic 23">
             <a:extLst>
               <a:ext uri="{FF2B5EF4-FFF2-40B4-BE49-F238E27FC236}">
-                <a16:creationId xmlns:a16="http://schemas.microsoft.com/office/drawing/2014/main" id="{0E3ACDEA-D6E5-4D98-BB67-882550329720}"/>
+                <a16:creationId xmlns:a16="http://schemas.microsoft.com/office/drawing/2014/main" id="{DC5A5B50-3AB5-4768-B7AA-B23CE2150963}"/>
               </a:ext>
             </a:extLst>
           </p:cNvPr>
-          <p:cNvSpPr txBox="1">
-            <a:spLocks noChangeArrowheads="1"/>
-          </p:cNvSpPr>
+          <p:cNvPicPr>
+            <a:picLocks noChangeAspect="1" noChangeArrowheads="1"/>
+          </p:cNvPicPr>
           <p:nvPr/>
-        </p:nvSpPr>
+        </p:nvPicPr>
+        <p:blipFill>
+          <a:blip r:embed="rId25">
+            <a:extLst>
+              <a:ext uri="{28A0092B-C50C-407E-A947-70E740481C1C}">
+                <a14:useLocalDpi xmlns:a14="http://schemas.microsoft.com/office/drawing/2010/main" val="0"/>
+              </a:ext>
+            </a:extLst>
+          </a:blip>
+          <a:srcRect/>
+          <a:stretch>
+            <a:fillRect/>
+          </a:stretch>
+        </p:blipFill>
         <p:spPr bwMode="auto">
           <a:xfrm>
-            <a:off x="12399326" y="3982268"/>
-            <a:ext cx="1152680" cy="276999"/>
+            <a:off x="12687538" y="7059168"/>
+            <a:ext cx="762000" cy="762000"/>
           </a:xfrm>
           <a:prstGeom prst="rect">
             <a:avLst/>
@@ -8218,127 +8433,13 @@
             </a:ext>
           </a:extLst>
         </p:spPr>
-        <p:txBody>
-          <a:bodyPr wrap="square">
-            <a:spAutoFit/>
-          </a:bodyPr>
-          <a:lstStyle>
-            <a:lvl1pPr>
-              <a:defRPr>
-                <a:solidFill>
-                  <a:schemeClr val="tx1"/>
-                </a:solidFill>
-                <a:latin typeface="Calibri" panose="020F0502020204030204" pitchFamily="34" charset="0"/>
-              </a:defRPr>
-            </a:lvl1pPr>
-            <a:lvl2pPr marL="742950" indent="-285750">
-              <a:defRPr>
-                <a:solidFill>
-                  <a:schemeClr val="tx1"/>
-                </a:solidFill>
-                <a:latin typeface="Calibri" panose="020F0502020204030204" pitchFamily="34" charset="0"/>
-              </a:defRPr>
-            </a:lvl2pPr>
-            <a:lvl3pPr marL="1143000" indent="-228600">
-              <a:defRPr>
-                <a:solidFill>
-                  <a:schemeClr val="tx1"/>
-                </a:solidFill>
-                <a:latin typeface="Calibri" panose="020F0502020204030204" pitchFamily="34" charset="0"/>
-              </a:defRPr>
-            </a:lvl3pPr>
-            <a:lvl4pPr marL="1600200" indent="-228600">
-              <a:defRPr>
-                <a:solidFill>
-                  <a:schemeClr val="tx1"/>
-                </a:solidFill>
-                <a:latin typeface="Calibri" panose="020F0502020204030204" pitchFamily="34" charset="0"/>
-              </a:defRPr>
-            </a:lvl4pPr>
-            <a:lvl5pPr marL="2057400" indent="-228600">
-              <a:defRPr>
-                <a:solidFill>
-                  <a:schemeClr val="tx1"/>
-                </a:solidFill>
-                <a:latin typeface="Calibri" panose="020F0502020204030204" pitchFamily="34" charset="0"/>
-              </a:defRPr>
-            </a:lvl5pPr>
-            <a:lvl6pPr marL="2514600" indent="-228600" eaLnBrk="0" fontAlgn="base" hangingPunct="0">
-              <a:spcBef>
-                <a:spcPct val="0"/>
-              </a:spcBef>
-              <a:spcAft>
-                <a:spcPct val="0"/>
-              </a:spcAft>
-              <a:defRPr>
-                <a:solidFill>
-                  <a:schemeClr val="tx1"/>
-                </a:solidFill>
-                <a:latin typeface="Calibri" panose="020F0502020204030204" pitchFamily="34" charset="0"/>
-              </a:defRPr>
-            </a:lvl6pPr>
-            <a:lvl7pPr marL="2971800" indent="-228600" eaLnBrk="0" fontAlgn="base" hangingPunct="0">
-              <a:spcBef>
-                <a:spcPct val="0"/>
-              </a:spcBef>
-              <a:spcAft>
-                <a:spcPct val="0"/>
-              </a:spcAft>
-              <a:defRPr>
-                <a:solidFill>
-                  <a:schemeClr val="tx1"/>
-                </a:solidFill>
-                <a:latin typeface="Calibri" panose="020F0502020204030204" pitchFamily="34" charset="0"/>
-              </a:defRPr>
-            </a:lvl7pPr>
-            <a:lvl8pPr marL="3429000" indent="-228600" eaLnBrk="0" fontAlgn="base" hangingPunct="0">
-              <a:spcBef>
-                <a:spcPct val="0"/>
-              </a:spcBef>
-              <a:spcAft>
-                <a:spcPct val="0"/>
-              </a:spcAft>
-              <a:defRPr>
-                <a:solidFill>
-                  <a:schemeClr val="tx1"/>
-                </a:solidFill>
-                <a:latin typeface="Calibri" panose="020F0502020204030204" pitchFamily="34" charset="0"/>
-              </a:defRPr>
-            </a:lvl8pPr>
-            <a:lvl9pPr marL="3886200" indent="-228600" eaLnBrk="0" fontAlgn="base" hangingPunct="0">
-              <a:spcBef>
-                <a:spcPct val="0"/>
-              </a:spcBef>
-              <a:spcAft>
-                <a:spcPct val="0"/>
-              </a:spcAft>
-              <a:defRPr>
-                <a:solidFill>
-                  <a:schemeClr val="tx1"/>
-                </a:solidFill>
-                <a:latin typeface="Calibri" panose="020F0502020204030204" pitchFamily="34" charset="0"/>
-              </a:defRPr>
-            </a:lvl9pPr>
-          </a:lstStyle>
-          <a:p>
-            <a:pPr algn="ctr" eaLnBrk="1" hangingPunct="1"/>
-            <a:r>
-              <a:rPr lang="en-US" altLang="en-US" sz="1200" dirty="0">
-                <a:latin typeface="Arial" panose="020B0604020202020204" pitchFamily="34" charset="0"/>
-                <a:ea typeface="Amazon Ember" panose="020B0603020204020204" pitchFamily="34" charset="0"/>
-                <a:cs typeface="Arial" panose="020B0604020202020204" pitchFamily="34" charset="0"/>
-              </a:rPr>
-              <a:t>Amazon EKS</a:t>
-            </a:r>
-          </a:p>
-        </p:txBody>
-      </p:sp>
-      <p:sp>
-        <p:nvSpPr>
-          <p:cNvPr id="250" name="TextBox 25">
+      </p:pic>
+      <p:sp>
+        <p:nvSpPr>
+          <p:cNvPr id="235" name="TextBox 9">
             <a:extLst>
               <a:ext uri="{FF2B5EF4-FFF2-40B4-BE49-F238E27FC236}">
-                <a16:creationId xmlns:a16="http://schemas.microsoft.com/office/drawing/2014/main" id="{424118CD-EF4A-4204-9FCC-D65A680609EC}"/>
+                <a16:creationId xmlns:a16="http://schemas.microsoft.com/office/drawing/2014/main" id="{0E3ACDEA-D6E5-4D98-BB67-882550329720}"/>
               </a:ext>
             </a:extLst>
           </p:cNvPr>
@@ -8349,8 +8450,8 @@
         </p:nvSpPr>
         <p:spPr bwMode="auto">
           <a:xfrm>
-            <a:off x="7398524" y="6591418"/>
-            <a:ext cx="1126461" cy="261610"/>
+            <a:off x="12264569" y="3982268"/>
+            <a:ext cx="1633625" cy="276999"/>
           </a:xfrm>
           <a:prstGeom prst="rect">
             <a:avLst/>
@@ -8484,22 +8585,22 @@
           <a:p>
             <a:pPr algn="ctr" eaLnBrk="1" hangingPunct="1"/>
             <a:r>
-              <a:rPr lang="en-US" altLang="en-US" sz="1100" dirty="0">
+              <a:rPr lang="en-US" altLang="en-US" sz="1200" dirty="0">
                 <a:latin typeface="Arial" panose="020B0604020202020204" pitchFamily="34" charset="0"/>
                 <a:ea typeface="Amazon Ember" panose="020B0603020204020204" pitchFamily="34" charset="0"/>
                 <a:cs typeface="Arial" panose="020B0604020202020204" pitchFamily="34" charset="0"/>
               </a:rPr>
-              <a:t>Contour Envoy</a:t>
-            </a:r>
-          </a:p>
-        </p:txBody>
-      </p:sp>
-      <p:sp>
-        <p:nvSpPr>
-          <p:cNvPr id="251" name="TextBox 25">
+              <a:t>Amazon CloudWatch</a:t>
+            </a:r>
+          </a:p>
+        </p:txBody>
+      </p:sp>
+      <p:sp>
+        <p:nvSpPr>
+          <p:cNvPr id="71" name="TextBox 9">
             <a:extLst>
               <a:ext uri="{FF2B5EF4-FFF2-40B4-BE49-F238E27FC236}">
-                <a16:creationId xmlns:a16="http://schemas.microsoft.com/office/drawing/2014/main" id="{BE1C7E39-BB59-4C99-A571-FACFEE026EBA}"/>
+                <a16:creationId xmlns:a16="http://schemas.microsoft.com/office/drawing/2014/main" id="{88D6BDF2-6B10-441A-AD16-E9EC92EC792D}"/>
               </a:ext>
             </a:extLst>
           </p:cNvPr>
@@ -8510,8 +8611,8 @@
         </p:nvSpPr>
         <p:spPr bwMode="auto">
           <a:xfrm>
-            <a:off x="10000314" y="6604754"/>
-            <a:ext cx="1126461" cy="261610"/>
+            <a:off x="11950348" y="7821188"/>
+            <a:ext cx="2243137" cy="276999"/>
           </a:xfrm>
           <a:prstGeom prst="rect">
             <a:avLst/>
@@ -8541,7 +8642,7 @@
           </a:extLst>
         </p:spPr>
         <p:txBody>
-          <a:bodyPr wrap="square">
+          <a:bodyPr>
             <a:spAutoFit/>
           </a:bodyPr>
           <a:lstStyle>
@@ -8645,22 +8746,22 @@
           <a:p>
             <a:pPr algn="ctr" eaLnBrk="1" hangingPunct="1"/>
             <a:r>
-              <a:rPr lang="en-US" altLang="en-US" sz="1100" dirty="0">
+              <a:rPr lang="en-US" altLang="en-US" sz="1200" dirty="0">
                 <a:latin typeface="Arial" panose="020B0604020202020204" pitchFamily="34" charset="0"/>
                 <a:ea typeface="Amazon Ember" panose="020B0603020204020204" pitchFamily="34" charset="0"/>
                 <a:cs typeface="Arial" panose="020B0604020202020204" pitchFamily="34" charset="0"/>
               </a:rPr>
-              <a:t>Contour Envoy</a:t>
+              <a:t>Amazon EKS</a:t>
             </a:r>
           </a:p>
         </p:txBody>
       </p:sp>
       <p:pic>
         <p:nvPicPr>
-          <p:cNvPr id="70" name="Graphic 17">
+          <p:cNvPr id="73" name="Graphic 24">
             <a:extLst>
               <a:ext uri="{FF2B5EF4-FFF2-40B4-BE49-F238E27FC236}">
-                <a16:creationId xmlns:a16="http://schemas.microsoft.com/office/drawing/2014/main" id="{094DAA12-5015-4182-9006-DBE6E95BCB6D}"/>
+                <a16:creationId xmlns:a16="http://schemas.microsoft.com/office/drawing/2014/main" id="{47D442D6-72D6-4155-8FBC-43A6E85517CE}"/>
               </a:ext>
             </a:extLst>
           </p:cNvPr>
@@ -8670,7 +8771,7 @@
           <p:nvPr/>
         </p:nvPicPr>
         <p:blipFill>
-          <a:blip r:embed="rId27">
+          <a:blip r:embed="rId26">
             <a:extLst>
               <a:ext uri="{28A0092B-C50C-407E-A947-70E740481C1C}">
                 <a14:useLocalDpi xmlns:a14="http://schemas.microsoft.com/office/drawing/2010/main" val="0"/>
@@ -8684,8 +8785,8 @@
         </p:blipFill>
         <p:spPr bwMode="auto">
           <a:xfrm>
-            <a:off x="12594666" y="7055833"/>
-            <a:ext cx="762000" cy="762000"/>
+            <a:off x="5723566" y="4136799"/>
+            <a:ext cx="457200" cy="457200"/>
           </a:xfrm>
           <a:prstGeom prst="rect">
             <a:avLst/>
@@ -8715,24 +8816,37 @@
           </a:extLst>
         </p:spPr>
       </p:pic>
-      <p:sp>
-        <p:nvSpPr>
-          <p:cNvPr id="71" name="TextBox 9">
+      <p:pic>
+        <p:nvPicPr>
+          <p:cNvPr id="76" name="Graphic 17">
             <a:extLst>
               <a:ext uri="{FF2B5EF4-FFF2-40B4-BE49-F238E27FC236}">
-                <a16:creationId xmlns:a16="http://schemas.microsoft.com/office/drawing/2014/main" id="{88D6BDF2-6B10-441A-AD16-E9EC92EC792D}"/>
+                <a16:creationId xmlns:a16="http://schemas.microsoft.com/office/drawing/2014/main" id="{FF54E8B1-DC65-413B-B456-25F4D014C34F}"/>
               </a:ext>
             </a:extLst>
           </p:cNvPr>
-          <p:cNvSpPr txBox="1">
-            <a:spLocks noChangeArrowheads="1"/>
-          </p:cNvSpPr>
+          <p:cNvPicPr>
+            <a:picLocks noChangeAspect="1" noChangeArrowheads="1"/>
+          </p:cNvPicPr>
           <p:nvPr/>
-        </p:nvSpPr>
+        </p:nvPicPr>
+        <p:blipFill>
+          <a:blip r:embed="rId27">
+            <a:extLst>
+              <a:ext uri="{28A0092B-C50C-407E-A947-70E740481C1C}">
+                <a14:useLocalDpi xmlns:a14="http://schemas.microsoft.com/office/drawing/2010/main" val="0"/>
+              </a:ext>
+            </a:extLst>
+          </a:blip>
+          <a:srcRect/>
+          <a:stretch>
+            <a:fillRect/>
+          </a:stretch>
+        </p:blipFill>
         <p:spPr bwMode="auto">
           <a:xfrm>
-            <a:off x="11854098" y="7821188"/>
-            <a:ext cx="2243137" cy="276999"/>
+            <a:off x="12690916" y="3218688"/>
+            <a:ext cx="762000" cy="762000"/>
           </a:xfrm>
           <a:prstGeom prst="rect">
             <a:avLst/>
@@ -8761,127 +8875,13 @@
             </a:ext>
           </a:extLst>
         </p:spPr>
-        <p:txBody>
-          <a:bodyPr>
-            <a:spAutoFit/>
-          </a:bodyPr>
-          <a:lstStyle>
-            <a:lvl1pPr>
-              <a:defRPr>
-                <a:solidFill>
-                  <a:schemeClr val="tx1"/>
-                </a:solidFill>
-                <a:latin typeface="Calibri" panose="020F0502020204030204" pitchFamily="34" charset="0"/>
-              </a:defRPr>
-            </a:lvl1pPr>
-            <a:lvl2pPr marL="742950" indent="-285750">
-              <a:defRPr>
-                <a:solidFill>
-                  <a:schemeClr val="tx1"/>
-                </a:solidFill>
-                <a:latin typeface="Calibri" panose="020F0502020204030204" pitchFamily="34" charset="0"/>
-              </a:defRPr>
-            </a:lvl2pPr>
-            <a:lvl3pPr marL="1143000" indent="-228600">
-              <a:defRPr>
-                <a:solidFill>
-                  <a:schemeClr val="tx1"/>
-                </a:solidFill>
-                <a:latin typeface="Calibri" panose="020F0502020204030204" pitchFamily="34" charset="0"/>
-              </a:defRPr>
-            </a:lvl3pPr>
-            <a:lvl4pPr marL="1600200" indent="-228600">
-              <a:defRPr>
-                <a:solidFill>
-                  <a:schemeClr val="tx1"/>
-                </a:solidFill>
-                <a:latin typeface="Calibri" panose="020F0502020204030204" pitchFamily="34" charset="0"/>
-              </a:defRPr>
-            </a:lvl4pPr>
-            <a:lvl5pPr marL="2057400" indent="-228600">
-              <a:defRPr>
-                <a:solidFill>
-                  <a:schemeClr val="tx1"/>
-                </a:solidFill>
-                <a:latin typeface="Calibri" panose="020F0502020204030204" pitchFamily="34" charset="0"/>
-              </a:defRPr>
-            </a:lvl5pPr>
-            <a:lvl6pPr marL="2514600" indent="-228600" eaLnBrk="0" fontAlgn="base" hangingPunct="0">
-              <a:spcBef>
-                <a:spcPct val="0"/>
-              </a:spcBef>
-              <a:spcAft>
-                <a:spcPct val="0"/>
-              </a:spcAft>
-              <a:defRPr>
-                <a:solidFill>
-                  <a:schemeClr val="tx1"/>
-                </a:solidFill>
-                <a:latin typeface="Calibri" panose="020F0502020204030204" pitchFamily="34" charset="0"/>
-              </a:defRPr>
-            </a:lvl6pPr>
-            <a:lvl7pPr marL="2971800" indent="-228600" eaLnBrk="0" fontAlgn="base" hangingPunct="0">
-              <a:spcBef>
-                <a:spcPct val="0"/>
-              </a:spcBef>
-              <a:spcAft>
-                <a:spcPct val="0"/>
-              </a:spcAft>
-              <a:defRPr>
-                <a:solidFill>
-                  <a:schemeClr val="tx1"/>
-                </a:solidFill>
-                <a:latin typeface="Calibri" panose="020F0502020204030204" pitchFamily="34" charset="0"/>
-              </a:defRPr>
-            </a:lvl7pPr>
-            <a:lvl8pPr marL="3429000" indent="-228600" eaLnBrk="0" fontAlgn="base" hangingPunct="0">
-              <a:spcBef>
-                <a:spcPct val="0"/>
-              </a:spcBef>
-              <a:spcAft>
-                <a:spcPct val="0"/>
-              </a:spcAft>
-              <a:defRPr>
-                <a:solidFill>
-                  <a:schemeClr val="tx1"/>
-                </a:solidFill>
-                <a:latin typeface="Calibri" panose="020F0502020204030204" pitchFamily="34" charset="0"/>
-              </a:defRPr>
-            </a:lvl8pPr>
-            <a:lvl9pPr marL="3886200" indent="-228600" eaLnBrk="0" fontAlgn="base" hangingPunct="0">
-              <a:spcBef>
-                <a:spcPct val="0"/>
-              </a:spcBef>
-              <a:spcAft>
-                <a:spcPct val="0"/>
-              </a:spcAft>
-              <a:defRPr>
-                <a:solidFill>
-                  <a:schemeClr val="tx1"/>
-                </a:solidFill>
-                <a:latin typeface="Calibri" panose="020F0502020204030204" pitchFamily="34" charset="0"/>
-              </a:defRPr>
-            </a:lvl9pPr>
-          </a:lstStyle>
-          <a:p>
-            <a:pPr algn="ctr" eaLnBrk="1" hangingPunct="1"/>
-            <a:r>
-              <a:rPr lang="en-US" altLang="en-US" sz="1200" dirty="0">
-                <a:latin typeface="Arial" panose="020B0604020202020204" pitchFamily="34" charset="0"/>
-                <a:ea typeface="Amazon Ember" panose="020B0603020204020204" pitchFamily="34" charset="0"/>
-                <a:cs typeface="Arial" panose="020B0604020202020204" pitchFamily="34" charset="0"/>
-              </a:rPr>
-              <a:t>Amazon CloudWatch</a:t>
-            </a:r>
-          </a:p>
-        </p:txBody>
-      </p:sp>
+      </p:pic>
       <p:pic>
         <p:nvPicPr>
-          <p:cNvPr id="73" name="Graphic 24">
+          <p:cNvPr id="77" name="Graphic 17">
             <a:extLst>
               <a:ext uri="{FF2B5EF4-FFF2-40B4-BE49-F238E27FC236}">
-                <a16:creationId xmlns:a16="http://schemas.microsoft.com/office/drawing/2014/main" id="{47D442D6-72D6-4155-8FBC-43A6E85517CE}"/>
+                <a16:creationId xmlns:a16="http://schemas.microsoft.com/office/drawing/2014/main" id="{AC6FB216-2F90-43C2-8C27-083CCD493DF1}"/>
               </a:ext>
             </a:extLst>
           </p:cNvPr>
@@ -8905,8 +8905,8 @@
         </p:blipFill>
         <p:spPr bwMode="auto">
           <a:xfrm>
-            <a:off x="5723566" y="4136799"/>
-            <a:ext cx="457200" cy="457200"/>
+            <a:off x="12690916" y="4498848"/>
+            <a:ext cx="762000" cy="762000"/>
           </a:xfrm>
           <a:prstGeom prst="rect">
             <a:avLst/>
@@ -8939,7 +8939,7 @@
     </p:spTree>
     <p:extLst>
       <p:ext uri="{BB962C8B-B14F-4D97-AF65-F5344CB8AC3E}">
-        <p14:creationId xmlns:p14="http://schemas.microsoft.com/office/powerpoint/2010/main" val="2967248816"/>
+        <p14:creationId xmlns:p14="http://schemas.microsoft.com/office/powerpoint/2010/main" val="1323146024"/>
       </p:ext>
     </p:extLst>
   </p:cSld>
